--- a/docs/WBS.pptx
+++ b/docs/WBS.pptx
@@ -104,6 +104,11 @@
       </a:defRPr>
     </a:lvl9pPr>
   </p:defaultTextStyle>
+  <p:extLst>
+    <p:ext uri="{EFAFB233-063F-42B5-8137-9DF3F51BA10A}">
+      <p15:sldGuideLst xmlns:p15="http://schemas.microsoft.com/office/powerpoint/2012/main"/>
+    </p:ext>
+  </p:extLst>
 </p:presentation>
 </file>
 
@@ -238,7 +243,7 @@
           <a:p>
             <a:fld id="{8E29EC53-7199-4849-A70E-D51D9C28901D}" type="datetimeFigureOut">
               <a:rPr lang="en-US" smtClean="0"/>
-              <a:t>2/12/2018</a:t>
+              <a:t>2/15/2018</a:t>
             </a:fld>
             <a:endParaRPr lang="en-US"/>
           </a:p>
@@ -408,7 +413,7 @@
           <a:p>
             <a:fld id="{8E29EC53-7199-4849-A70E-D51D9C28901D}" type="datetimeFigureOut">
               <a:rPr lang="en-US" smtClean="0"/>
-              <a:t>2/12/2018</a:t>
+              <a:t>2/15/2018</a:t>
             </a:fld>
             <a:endParaRPr lang="en-US"/>
           </a:p>
@@ -588,7 +593,7 @@
           <a:p>
             <a:fld id="{8E29EC53-7199-4849-A70E-D51D9C28901D}" type="datetimeFigureOut">
               <a:rPr lang="en-US" smtClean="0"/>
-              <a:t>2/12/2018</a:t>
+              <a:t>2/15/2018</a:t>
             </a:fld>
             <a:endParaRPr lang="en-US"/>
           </a:p>
@@ -758,7 +763,7 @@
           <a:p>
             <a:fld id="{8E29EC53-7199-4849-A70E-D51D9C28901D}" type="datetimeFigureOut">
               <a:rPr lang="en-US" smtClean="0"/>
-              <a:t>2/12/2018</a:t>
+              <a:t>2/15/2018</a:t>
             </a:fld>
             <a:endParaRPr lang="en-US"/>
           </a:p>
@@ -1004,7 +1009,7 @@
           <a:p>
             <a:fld id="{8E29EC53-7199-4849-A70E-D51D9C28901D}" type="datetimeFigureOut">
               <a:rPr lang="en-US" smtClean="0"/>
-              <a:t>2/12/2018</a:t>
+              <a:t>2/15/2018</a:t>
             </a:fld>
             <a:endParaRPr lang="en-US"/>
           </a:p>
@@ -1236,7 +1241,7 @@
           <a:p>
             <a:fld id="{8E29EC53-7199-4849-A70E-D51D9C28901D}" type="datetimeFigureOut">
               <a:rPr lang="en-US" smtClean="0"/>
-              <a:t>2/12/2018</a:t>
+              <a:t>2/15/2018</a:t>
             </a:fld>
             <a:endParaRPr lang="en-US"/>
           </a:p>
@@ -1603,7 +1608,7 @@
           <a:p>
             <a:fld id="{8E29EC53-7199-4849-A70E-D51D9C28901D}" type="datetimeFigureOut">
               <a:rPr lang="en-US" smtClean="0"/>
-              <a:t>2/12/2018</a:t>
+              <a:t>2/15/2018</a:t>
             </a:fld>
             <a:endParaRPr lang="en-US"/>
           </a:p>
@@ -1721,7 +1726,7 @@
           <a:p>
             <a:fld id="{8E29EC53-7199-4849-A70E-D51D9C28901D}" type="datetimeFigureOut">
               <a:rPr lang="en-US" smtClean="0"/>
-              <a:t>2/12/2018</a:t>
+              <a:t>2/15/2018</a:t>
             </a:fld>
             <a:endParaRPr lang="en-US"/>
           </a:p>
@@ -1816,7 +1821,7 @@
           <a:p>
             <a:fld id="{8E29EC53-7199-4849-A70E-D51D9C28901D}" type="datetimeFigureOut">
               <a:rPr lang="en-US" smtClean="0"/>
-              <a:t>2/12/2018</a:t>
+              <a:t>2/15/2018</a:t>
             </a:fld>
             <a:endParaRPr lang="en-US"/>
           </a:p>
@@ -2093,7 +2098,7 @@
           <a:p>
             <a:fld id="{8E29EC53-7199-4849-A70E-D51D9C28901D}" type="datetimeFigureOut">
               <a:rPr lang="en-US" smtClean="0"/>
-              <a:t>2/12/2018</a:t>
+              <a:t>2/15/2018</a:t>
             </a:fld>
             <a:endParaRPr lang="en-US"/>
           </a:p>
@@ -2346,7 +2351,7 @@
           <a:p>
             <a:fld id="{8E29EC53-7199-4849-A70E-D51D9C28901D}" type="datetimeFigureOut">
               <a:rPr lang="en-US" smtClean="0"/>
-              <a:t>2/12/2018</a:t>
+              <a:t>2/15/2018</a:t>
             </a:fld>
             <a:endParaRPr lang="en-US"/>
           </a:p>
@@ -2559,7 +2564,7 @@
           <a:p>
             <a:fld id="{8E29EC53-7199-4849-A70E-D51D9C28901D}" type="datetimeFigureOut">
               <a:rPr lang="en-US" smtClean="0"/>
-              <a:t>2/12/2018</a:t>
+              <a:t>2/15/2018</a:t>
             </a:fld>
             <a:endParaRPr lang="en-US"/>
           </a:p>
@@ -4216,6 +4221,299 @@
           </a:p>
         </p:txBody>
       </p:sp>
+      <p:sp>
+        <p:nvSpPr>
+          <p:cNvPr id="3" name="TextBox 2"/>
+          <p:cNvSpPr txBox="1"/>
+          <p:nvPr/>
+        </p:nvSpPr>
+        <p:spPr>
+          <a:xfrm>
+            <a:off x="4324848" y="4156363"/>
+            <a:ext cx="1413163" cy="369332"/>
+          </a:xfrm>
+          <a:prstGeom prst="rect">
+            <a:avLst/>
+          </a:prstGeom>
+          <a:noFill/>
+        </p:spPr>
+        <p:txBody>
+          <a:bodyPr wrap="square" rtlCol="0">
+            <a:spAutoFit/>
+          </a:bodyPr>
+          <a:lstStyle/>
+          <a:p>
+            <a:r>
+              <a:rPr lang="en-US" dirty="0" smtClean="0">
+                <a:solidFill>
+                  <a:srgbClr val="FF0000"/>
+                </a:solidFill>
+              </a:rPr>
+              <a:t>Brenton</a:t>
+            </a:r>
+            <a:endParaRPr lang="en-US" dirty="0">
+              <a:solidFill>
+                <a:srgbClr val="FF0000"/>
+              </a:solidFill>
+            </a:endParaRPr>
+          </a:p>
+        </p:txBody>
+      </p:sp>
+      <p:sp>
+        <p:nvSpPr>
+          <p:cNvPr id="5" name="TextBox 4"/>
+          <p:cNvSpPr txBox="1"/>
+          <p:nvPr/>
+        </p:nvSpPr>
+        <p:spPr>
+          <a:xfrm>
+            <a:off x="4324848" y="2123594"/>
+            <a:ext cx="917880" cy="369332"/>
+          </a:xfrm>
+          <a:prstGeom prst="rect">
+            <a:avLst/>
+          </a:prstGeom>
+          <a:noFill/>
+        </p:spPr>
+        <p:txBody>
+          <a:bodyPr wrap="none" rtlCol="0">
+            <a:spAutoFit/>
+          </a:bodyPr>
+          <a:lstStyle/>
+          <a:p>
+            <a:r>
+              <a:rPr lang="en-US" dirty="0" smtClean="0">
+                <a:solidFill>
+                  <a:srgbClr val="FF0000"/>
+                </a:solidFill>
+              </a:rPr>
+              <a:t>Andrew</a:t>
+            </a:r>
+            <a:endParaRPr lang="en-US" dirty="0">
+              <a:solidFill>
+                <a:srgbClr val="FF0000"/>
+              </a:solidFill>
+            </a:endParaRPr>
+          </a:p>
+        </p:txBody>
+      </p:sp>
+      <p:sp>
+        <p:nvSpPr>
+          <p:cNvPr id="7" name="TextBox 6"/>
+          <p:cNvSpPr txBox="1"/>
+          <p:nvPr/>
+        </p:nvSpPr>
+        <p:spPr>
+          <a:xfrm>
+            <a:off x="994262" y="2269993"/>
+            <a:ext cx="917880" cy="369332"/>
+          </a:xfrm>
+          <a:prstGeom prst="rect">
+            <a:avLst/>
+          </a:prstGeom>
+          <a:noFill/>
+        </p:spPr>
+        <p:txBody>
+          <a:bodyPr wrap="none" rtlCol="0">
+            <a:spAutoFit/>
+          </a:bodyPr>
+          <a:lstStyle/>
+          <a:p>
+            <a:r>
+              <a:rPr lang="en-US" dirty="0" smtClean="0">
+                <a:solidFill>
+                  <a:srgbClr val="FF0000"/>
+                </a:solidFill>
+              </a:rPr>
+              <a:t>Andrew</a:t>
+            </a:r>
+            <a:endParaRPr lang="en-US" dirty="0">
+              <a:solidFill>
+                <a:srgbClr val="FF0000"/>
+              </a:solidFill>
+            </a:endParaRPr>
+          </a:p>
+        </p:txBody>
+      </p:sp>
+      <p:sp>
+        <p:nvSpPr>
+          <p:cNvPr id="8" name="TextBox 7"/>
+          <p:cNvSpPr txBox="1"/>
+          <p:nvPr/>
+        </p:nvSpPr>
+        <p:spPr>
+          <a:xfrm>
+            <a:off x="4351763" y="3296302"/>
+            <a:ext cx="753732" cy="369332"/>
+          </a:xfrm>
+          <a:prstGeom prst="rect">
+            <a:avLst/>
+          </a:prstGeom>
+          <a:noFill/>
+        </p:spPr>
+        <p:txBody>
+          <a:bodyPr wrap="none" rtlCol="0">
+            <a:spAutoFit/>
+          </a:bodyPr>
+          <a:lstStyle/>
+          <a:p>
+            <a:r>
+              <a:rPr lang="en-US" dirty="0" err="1" smtClean="0">
+                <a:solidFill>
+                  <a:srgbClr val="FF0000"/>
+                </a:solidFill>
+              </a:rPr>
+              <a:t>Conor</a:t>
+            </a:r>
+            <a:endParaRPr lang="en-US" dirty="0">
+              <a:solidFill>
+                <a:srgbClr val="FF0000"/>
+              </a:solidFill>
+            </a:endParaRPr>
+          </a:p>
+        </p:txBody>
+      </p:sp>
+      <p:cxnSp>
+        <p:nvCxnSpPr>
+          <p:cNvPr id="10" name="Straight Connector 9"/>
+          <p:cNvCxnSpPr/>
+          <p:nvPr/>
+        </p:nvCxnSpPr>
+        <p:spPr>
+          <a:xfrm>
+            <a:off x="6492239" y="315884"/>
+            <a:ext cx="523703" cy="0"/>
+          </a:xfrm>
+          <a:prstGeom prst="line">
+            <a:avLst/>
+          </a:prstGeom>
+          <a:ln>
+            <a:solidFill>
+              <a:schemeClr val="tx1"/>
+            </a:solidFill>
+          </a:ln>
+        </p:spPr>
+        <p:style>
+          <a:lnRef idx="1">
+            <a:schemeClr val="accent1"/>
+          </a:lnRef>
+          <a:fillRef idx="0">
+            <a:schemeClr val="accent1"/>
+          </a:fillRef>
+          <a:effectRef idx="0">
+            <a:schemeClr val="accent1"/>
+          </a:effectRef>
+          <a:fontRef idx="minor">
+            <a:schemeClr val="tx1"/>
+          </a:fontRef>
+        </p:style>
+      </p:cxnSp>
+      <p:sp>
+        <p:nvSpPr>
+          <p:cNvPr id="11" name="TextBox 10"/>
+          <p:cNvSpPr txBox="1"/>
+          <p:nvPr/>
+        </p:nvSpPr>
+        <p:spPr>
+          <a:xfrm>
+            <a:off x="7015942" y="132696"/>
+            <a:ext cx="620683" cy="369332"/>
+          </a:xfrm>
+          <a:prstGeom prst="rect">
+            <a:avLst/>
+          </a:prstGeom>
+          <a:noFill/>
+        </p:spPr>
+        <p:txBody>
+          <a:bodyPr wrap="none" rtlCol="0">
+            <a:spAutoFit/>
+          </a:bodyPr>
+          <a:lstStyle/>
+          <a:p>
+            <a:r>
+              <a:rPr lang="en-US" dirty="0" smtClean="0"/>
+              <a:t>WBS</a:t>
+            </a:r>
+            <a:endParaRPr lang="en-US" dirty="0"/>
+          </a:p>
+        </p:txBody>
+      </p:sp>
+      <p:sp>
+        <p:nvSpPr>
+          <p:cNvPr id="12" name="TextBox 11"/>
+          <p:cNvSpPr txBox="1"/>
+          <p:nvPr/>
+        </p:nvSpPr>
+        <p:spPr>
+          <a:xfrm>
+            <a:off x="7539645" y="132696"/>
+            <a:ext cx="894860" cy="369332"/>
+          </a:xfrm>
+          <a:prstGeom prst="rect">
+            <a:avLst/>
+          </a:prstGeom>
+          <a:noFill/>
+        </p:spPr>
+        <p:txBody>
+          <a:bodyPr wrap="none" rtlCol="0">
+            <a:spAutoFit/>
+          </a:bodyPr>
+          <a:lstStyle/>
+          <a:p>
+            <a:r>
+              <a:rPr lang="en-US" dirty="0" smtClean="0">
+                <a:solidFill>
+                  <a:srgbClr val="FF0000"/>
+                </a:solidFill>
+              </a:rPr>
+              <a:t>Gordon</a:t>
+            </a:r>
+            <a:endParaRPr lang="en-US" dirty="0">
+              <a:solidFill>
+                <a:srgbClr val="FF0000"/>
+              </a:solidFill>
+            </a:endParaRPr>
+          </a:p>
+        </p:txBody>
+      </p:sp>
+      <p:sp>
+        <p:nvSpPr>
+          <p:cNvPr id="14" name="TextBox 13"/>
+          <p:cNvSpPr txBox="1"/>
+          <p:nvPr/>
+        </p:nvSpPr>
+        <p:spPr>
+          <a:xfrm>
+            <a:off x="7226544" y="3271642"/>
+            <a:ext cx="753732" cy="369332"/>
+          </a:xfrm>
+          <a:prstGeom prst="rect">
+            <a:avLst/>
+          </a:prstGeom>
+          <a:noFill/>
+        </p:spPr>
+        <p:txBody>
+          <a:bodyPr wrap="none" rtlCol="0">
+            <a:spAutoFit/>
+          </a:bodyPr>
+          <a:lstStyle/>
+          <a:p>
+            <a:r>
+              <a:rPr lang="en-US" dirty="0" err="1" smtClean="0">
+                <a:solidFill>
+                  <a:srgbClr val="FF0000"/>
+                </a:solidFill>
+              </a:rPr>
+              <a:t>Conor</a:t>
+            </a:r>
+            <a:endParaRPr lang="en-US" dirty="0">
+              <a:solidFill>
+                <a:srgbClr val="FF0000"/>
+              </a:solidFill>
+            </a:endParaRPr>
+          </a:p>
+        </p:txBody>
+      </p:sp>
     </p:spTree>
     <p:extLst>
       <p:ext uri="{BB962C8B-B14F-4D97-AF65-F5344CB8AC3E}">

--- a/docs/WBS.pptx
+++ b/docs/WBS.pptx
@@ -4514,6 +4514,152 @@
           </a:p>
         </p:txBody>
       </p:sp>
+      <p:cxnSp>
+        <p:nvCxnSpPr>
+          <p:cNvPr id="20" name="Straight Connector 19"/>
+          <p:cNvCxnSpPr/>
+          <p:nvPr/>
+        </p:nvCxnSpPr>
+        <p:spPr>
+          <a:xfrm flipV="1">
+            <a:off x="257692" y="3955825"/>
+            <a:ext cx="634884" cy="1"/>
+          </a:xfrm>
+          <a:prstGeom prst="line">
+            <a:avLst/>
+          </a:prstGeom>
+          <a:ln>
+            <a:solidFill>
+              <a:schemeClr val="tx1"/>
+            </a:solidFill>
+          </a:ln>
+        </p:spPr>
+        <p:style>
+          <a:lnRef idx="1">
+            <a:schemeClr val="accent1"/>
+          </a:lnRef>
+          <a:fillRef idx="0">
+            <a:schemeClr val="accent1"/>
+          </a:fillRef>
+          <a:effectRef idx="0">
+            <a:schemeClr val="accent1"/>
+          </a:effectRef>
+          <a:fontRef idx="minor">
+            <a:schemeClr val="tx1"/>
+          </a:fontRef>
+        </p:style>
+      </p:cxnSp>
+      <p:sp>
+        <p:nvSpPr>
+          <p:cNvPr id="23" name="TextBox 22"/>
+          <p:cNvSpPr txBox="1"/>
+          <p:nvPr/>
+        </p:nvSpPr>
+        <p:spPr>
+          <a:xfrm>
+            <a:off x="913906" y="3694216"/>
+            <a:ext cx="2063385" cy="523220"/>
+          </a:xfrm>
+          <a:prstGeom prst="rect">
+            <a:avLst/>
+          </a:prstGeom>
+          <a:noFill/>
+        </p:spPr>
+        <p:txBody>
+          <a:bodyPr wrap="none" rtlCol="0">
+            <a:spAutoFit/>
+          </a:bodyPr>
+          <a:lstStyle/>
+          <a:p>
+            <a:r>
+              <a:rPr lang="en-US" dirty="0" smtClean="0"/>
+              <a:t>Physics</a:t>
+            </a:r>
+          </a:p>
+          <a:p>
+            <a:r>
+              <a:rPr lang="en-US" sz="1000" dirty="0" smtClean="0"/>
+              <a:t>Make sure that game runs smoothly</a:t>
+            </a:r>
+          </a:p>
+        </p:txBody>
+      </p:sp>
+      <p:sp>
+        <p:nvSpPr>
+          <p:cNvPr id="25" name="TextBox 24"/>
+          <p:cNvSpPr txBox="1"/>
+          <p:nvPr/>
+        </p:nvSpPr>
+        <p:spPr>
+          <a:xfrm>
+            <a:off x="880038" y="4156363"/>
+            <a:ext cx="894860" cy="369332"/>
+          </a:xfrm>
+          <a:prstGeom prst="rect">
+            <a:avLst/>
+          </a:prstGeom>
+          <a:noFill/>
+        </p:spPr>
+        <p:txBody>
+          <a:bodyPr wrap="none" rtlCol="0">
+            <a:spAutoFit/>
+          </a:bodyPr>
+          <a:lstStyle/>
+          <a:p>
+            <a:r>
+              <a:rPr lang="en-US" dirty="0" smtClean="0">
+                <a:solidFill>
+                  <a:srgbClr val="FF0000"/>
+                </a:solidFill>
+              </a:rPr>
+              <a:t>Gordon</a:t>
+            </a:r>
+            <a:endParaRPr lang="en-US" dirty="0">
+              <a:solidFill>
+                <a:srgbClr val="FF0000"/>
+              </a:solidFill>
+            </a:endParaRPr>
+          </a:p>
+        </p:txBody>
+      </p:sp>
+      <p:sp>
+        <p:nvSpPr>
+          <p:cNvPr id="26" name="TextBox 25"/>
+          <p:cNvSpPr txBox="1"/>
+          <p:nvPr/>
+        </p:nvSpPr>
+        <p:spPr>
+          <a:xfrm>
+            <a:off x="0" y="2300"/>
+            <a:ext cx="3882281" cy="369332"/>
+          </a:xfrm>
+          <a:prstGeom prst="rect">
+            <a:avLst/>
+          </a:prstGeom>
+          <a:noFill/>
+        </p:spPr>
+        <p:txBody>
+          <a:bodyPr wrap="none" rtlCol="0">
+            <a:spAutoFit/>
+          </a:bodyPr>
+          <a:lstStyle/>
+          <a:p>
+            <a:r>
+              <a:rPr lang="en-US" dirty="0" smtClean="0"/>
+              <a:t>Team: Gordon, </a:t>
+            </a:r>
+            <a:r>
+              <a:rPr lang="en-US" dirty="0" err="1" smtClean="0"/>
+              <a:t>Conor</a:t>
+            </a:r>
+            <a:r>
+              <a:rPr lang="en-US" dirty="0" smtClean="0"/>
+              <a:t>, Brenton, Andrew</a:t>
+            </a:r>
+            <a:endParaRPr lang="en-US" dirty="0"/>
+          </a:p>
+        </p:txBody>
+      </p:sp>
     </p:spTree>
     <p:extLst>
       <p:ext uri="{BB962C8B-B14F-4D97-AF65-F5344CB8AC3E}">
